--- a/ПРЕЗЕНТАЦИЯ НА КУРСОВУЮ.pptx
+++ b/ПРЕЗЕНТАЦИЯ НА КУРСОВУЮ.pptx
@@ -8,12 +8,15 @@
     <p:sldId id="256" r:id="rId2"/>
     <p:sldId id="257" r:id="rId3"/>
     <p:sldId id="258" r:id="rId4"/>
-    <p:sldId id="259" r:id="rId5"/>
-    <p:sldId id="260" r:id="rId6"/>
+    <p:sldId id="260" r:id="rId5"/>
+    <p:sldId id="259" r:id="rId6"/>
     <p:sldId id="261" r:id="rId7"/>
     <p:sldId id="262" r:id="rId8"/>
     <p:sldId id="263" r:id="rId9"/>
-    <p:sldId id="264" r:id="rId10"/>
+    <p:sldId id="265" r:id="rId10"/>
+    <p:sldId id="266" r:id="rId11"/>
+    <p:sldId id="267" r:id="rId12"/>
+    <p:sldId id="264" r:id="rId13"/>
   </p:sldIdLst>
   <p:sldSz cx="12192000" cy="6858000"/>
   <p:notesSz cx="6858000" cy="9144000"/>
@@ -305,7 +308,7 @@
           <a:p>
             <a:fld id="{BCC04586-3FBD-473E-B441-AD2F6245AB17}" type="datetimeFigureOut">
               <a:rPr lang="ru-RU" smtClean="0"/>
-              <a:t>29.11.2019</a:t>
+              <a:t>30.11.2019</a:t>
             </a:fld>
             <a:endParaRPr lang="ru-RU"/>
           </a:p>
@@ -603,7 +606,7 @@
           <a:p>
             <a:fld id="{BCC04586-3FBD-473E-B441-AD2F6245AB17}" type="datetimeFigureOut">
               <a:rPr lang="ru-RU" smtClean="0"/>
-              <a:t>29.11.2019</a:t>
+              <a:t>30.11.2019</a:t>
             </a:fld>
             <a:endParaRPr lang="ru-RU"/>
           </a:p>
@@ -795,7 +798,7 @@
           <a:p>
             <a:fld id="{BCC04586-3FBD-473E-B441-AD2F6245AB17}" type="datetimeFigureOut">
               <a:rPr lang="ru-RU" smtClean="0"/>
-              <a:t>29.11.2019</a:t>
+              <a:t>30.11.2019</a:t>
             </a:fld>
             <a:endParaRPr lang="ru-RU"/>
           </a:p>
@@ -1056,7 +1059,7 @@
           <a:p>
             <a:fld id="{BCC04586-3FBD-473E-B441-AD2F6245AB17}" type="datetimeFigureOut">
               <a:rPr lang="ru-RU" smtClean="0"/>
-              <a:t>29.11.2019</a:t>
+              <a:t>30.11.2019</a:t>
             </a:fld>
             <a:endParaRPr lang="ru-RU"/>
           </a:p>
@@ -1480,7 +1483,7 @@
           <a:p>
             <a:fld id="{BCC04586-3FBD-473E-B441-AD2F6245AB17}" type="datetimeFigureOut">
               <a:rPr lang="ru-RU" smtClean="0"/>
-              <a:t>29.11.2019</a:t>
+              <a:t>30.11.2019</a:t>
             </a:fld>
             <a:endParaRPr lang="ru-RU"/>
           </a:p>
@@ -2017,7 +2020,7 @@
           <a:p>
             <a:fld id="{BCC04586-3FBD-473E-B441-AD2F6245AB17}" type="datetimeFigureOut">
               <a:rPr lang="ru-RU" smtClean="0"/>
-              <a:t>29.11.2019</a:t>
+              <a:t>30.11.2019</a:t>
             </a:fld>
             <a:endParaRPr lang="ru-RU"/>
           </a:p>
@@ -2881,7 +2884,7 @@
           <a:p>
             <a:fld id="{BCC04586-3FBD-473E-B441-AD2F6245AB17}" type="datetimeFigureOut">
               <a:rPr lang="ru-RU" smtClean="0"/>
-              <a:t>29.11.2019</a:t>
+              <a:t>30.11.2019</a:t>
             </a:fld>
             <a:endParaRPr lang="ru-RU"/>
           </a:p>
@@ -3051,7 +3054,7 @@
           <a:p>
             <a:fld id="{BCC04586-3FBD-473E-B441-AD2F6245AB17}" type="datetimeFigureOut">
               <a:rPr lang="ru-RU" smtClean="0"/>
-              <a:t>29.11.2019</a:t>
+              <a:t>30.11.2019</a:t>
             </a:fld>
             <a:endParaRPr lang="ru-RU"/>
           </a:p>
@@ -3235,7 +3238,7 @@
           <a:p>
             <a:fld id="{BCC04586-3FBD-473E-B441-AD2F6245AB17}" type="datetimeFigureOut">
               <a:rPr lang="ru-RU" smtClean="0"/>
-              <a:t>29.11.2019</a:t>
+              <a:t>30.11.2019</a:t>
             </a:fld>
             <a:endParaRPr lang="ru-RU"/>
           </a:p>
@@ -3405,7 +3408,7 @@
           <a:p>
             <a:fld id="{BCC04586-3FBD-473E-B441-AD2F6245AB17}" type="datetimeFigureOut">
               <a:rPr lang="ru-RU" smtClean="0"/>
-              <a:t>29.11.2019</a:t>
+              <a:t>30.11.2019</a:t>
             </a:fld>
             <a:endParaRPr lang="ru-RU"/>
           </a:p>
@@ -3649,7 +3652,7 @@
           <a:p>
             <a:fld id="{BCC04586-3FBD-473E-B441-AD2F6245AB17}" type="datetimeFigureOut">
               <a:rPr lang="ru-RU" smtClean="0"/>
-              <a:t>29.11.2019</a:t>
+              <a:t>30.11.2019</a:t>
             </a:fld>
             <a:endParaRPr lang="ru-RU"/>
           </a:p>
@@ -3885,7 +3888,7 @@
           <a:p>
             <a:fld id="{BCC04586-3FBD-473E-B441-AD2F6245AB17}" type="datetimeFigureOut">
               <a:rPr lang="ru-RU" smtClean="0"/>
-              <a:t>29.11.2019</a:t>
+              <a:t>30.11.2019</a:t>
             </a:fld>
             <a:endParaRPr lang="ru-RU"/>
           </a:p>
@@ -4351,7 +4354,7 @@
           <a:p>
             <a:fld id="{BCC04586-3FBD-473E-B441-AD2F6245AB17}" type="datetimeFigureOut">
               <a:rPr lang="ru-RU" smtClean="0"/>
-              <a:t>29.11.2019</a:t>
+              <a:t>30.11.2019</a:t>
             </a:fld>
             <a:endParaRPr lang="ru-RU"/>
           </a:p>
@@ -4469,7 +4472,7 @@
           <a:p>
             <a:fld id="{BCC04586-3FBD-473E-B441-AD2F6245AB17}" type="datetimeFigureOut">
               <a:rPr lang="ru-RU" smtClean="0"/>
-              <a:t>29.11.2019</a:t>
+              <a:t>30.11.2019</a:t>
             </a:fld>
             <a:endParaRPr lang="ru-RU"/>
           </a:p>
@@ -4564,7 +4567,7 @@
           <a:p>
             <a:fld id="{BCC04586-3FBD-473E-B441-AD2F6245AB17}" type="datetimeFigureOut">
               <a:rPr lang="ru-RU" smtClean="0"/>
-              <a:t>29.11.2019</a:t>
+              <a:t>30.11.2019</a:t>
             </a:fld>
             <a:endParaRPr lang="ru-RU"/>
           </a:p>
@@ -4819,7 +4822,7 @@
           <a:p>
             <a:fld id="{BCC04586-3FBD-473E-B441-AD2F6245AB17}" type="datetimeFigureOut">
               <a:rPr lang="ru-RU" smtClean="0"/>
-              <a:t>29.11.2019</a:t>
+              <a:t>30.11.2019</a:t>
             </a:fld>
             <a:endParaRPr lang="ru-RU"/>
           </a:p>
@@ -5119,7 +5122,7 @@
           <a:p>
             <a:fld id="{BCC04586-3FBD-473E-B441-AD2F6245AB17}" type="datetimeFigureOut">
               <a:rPr lang="ru-RU" smtClean="0"/>
-              <a:t>29.11.2019</a:t>
+              <a:t>30.11.2019</a:t>
             </a:fld>
             <a:endParaRPr lang="ru-RU"/>
           </a:p>
@@ -5353,7 +5356,7 @@
           <a:p>
             <a:fld id="{BCC04586-3FBD-473E-B441-AD2F6245AB17}" type="datetimeFigureOut">
               <a:rPr lang="ru-RU" smtClean="0"/>
-              <a:t>29.11.2019</a:t>
+              <a:t>30.11.2019</a:t>
             </a:fld>
             <a:endParaRPr lang="ru-RU"/>
           </a:p>
@@ -6534,6 +6537,378 @@
 </p:sld>
 </file>
 
+<file path=ppt/slides/slide10.xml><?xml version="1.0" encoding="utf-8"?>
+<p:sld xmlns:a="http://schemas.openxmlformats.org/drawingml/2006/main" xmlns:r="http://schemas.openxmlformats.org/officeDocument/2006/relationships" xmlns:p="http://schemas.openxmlformats.org/presentationml/2006/main">
+  <p:cSld>
+    <p:spTree>
+      <p:nvGrpSpPr>
+        <p:cNvPr id="1" name=""/>
+        <p:cNvGrpSpPr/>
+        <p:nvPr/>
+      </p:nvGrpSpPr>
+      <p:grpSpPr>
+        <a:xfrm>
+          <a:off x="0" y="0"/>
+          <a:ext cx="0" cy="0"/>
+          <a:chOff x="0" y="0"/>
+          <a:chExt cx="0" cy="0"/>
+        </a:xfrm>
+      </p:grpSpPr>
+      <p:sp>
+        <p:nvSpPr>
+          <p:cNvPr id="2" name="Заголовок 1">
+            <a:extLst>
+              <a:ext uri="{FF2B5EF4-FFF2-40B4-BE49-F238E27FC236}">
+                <a16:creationId xmlns:a16="http://schemas.microsoft.com/office/drawing/2014/main" id="{BCE1AAA5-F177-4670-BBAE-41375C5ECAA8}"/>
+              </a:ext>
+            </a:extLst>
+          </p:cNvPr>
+          <p:cNvSpPr>
+            <a:spLocks noGrp="1"/>
+          </p:cNvSpPr>
+          <p:nvPr>
+            <p:ph type="title"/>
+          </p:nvPr>
+        </p:nvSpPr>
+        <p:spPr/>
+        <p:txBody>
+          <a:bodyPr/>
+          <a:lstStyle/>
+          <a:p>
+            <a:r>
+              <a:rPr lang="ru-RU" dirty="0"/>
+              <a:t>Интерфейс программного продукта</a:t>
+            </a:r>
+          </a:p>
+        </p:txBody>
+      </p:sp>
+      <p:sp>
+        <p:nvSpPr>
+          <p:cNvPr id="3" name="Объект 2">
+            <a:extLst>
+              <a:ext uri="{FF2B5EF4-FFF2-40B4-BE49-F238E27FC236}">
+                <a16:creationId xmlns:a16="http://schemas.microsoft.com/office/drawing/2014/main" id="{947B9E58-6487-4C83-8180-F19E1CBBD758}"/>
+              </a:ext>
+            </a:extLst>
+          </p:cNvPr>
+          <p:cNvSpPr>
+            <a:spLocks noGrp="1"/>
+          </p:cNvSpPr>
+          <p:nvPr>
+            <p:ph idx="1"/>
+          </p:nvPr>
+        </p:nvSpPr>
+        <p:spPr>
+          <a:xfrm>
+            <a:off x="7410893" y="1732449"/>
+            <a:ext cx="3856664" cy="4058751"/>
+          </a:xfrm>
+        </p:spPr>
+        <p:txBody>
+          <a:bodyPr/>
+          <a:lstStyle/>
+          <a:p>
+            <a:r>
+              <a:rPr lang="ru-RU" dirty="0"/>
+              <a:t>При выборе пункта меню «Менеджеры» открывается элемент менеджеры</a:t>
+            </a:r>
+          </a:p>
+          <a:p>
+            <a:r>
+              <a:rPr lang="ru-RU" dirty="0"/>
+              <a:t>На нем есть возможность редактировать информацию о менеджерах компании</a:t>
+            </a:r>
+          </a:p>
+        </p:txBody>
+      </p:sp>
+      <p:pic>
+        <p:nvPicPr>
+          <p:cNvPr id="4" name="Рисунок 3">
+            <a:extLst>
+              <a:ext uri="{FF2B5EF4-FFF2-40B4-BE49-F238E27FC236}">
+                <a16:creationId xmlns:a16="http://schemas.microsoft.com/office/drawing/2014/main" id="{04002E67-496B-4136-965D-77F63BA5846C}"/>
+              </a:ext>
+            </a:extLst>
+          </p:cNvPr>
+          <p:cNvPicPr>
+            <a:picLocks noChangeAspect="1"/>
+          </p:cNvPicPr>
+          <p:nvPr/>
+        </p:nvPicPr>
+        <p:blipFill>
+          <a:blip r:embed="rId2"/>
+          <a:stretch>
+            <a:fillRect/>
+          </a:stretch>
+        </p:blipFill>
+        <p:spPr>
+          <a:xfrm>
+            <a:off x="838532" y="1732449"/>
+            <a:ext cx="6423505" cy="3783708"/>
+          </a:xfrm>
+          <a:prstGeom prst="rect">
+            <a:avLst/>
+          </a:prstGeom>
+        </p:spPr>
+      </p:pic>
+    </p:spTree>
+    <p:extLst>
+      <p:ext uri="{BB962C8B-B14F-4D97-AF65-F5344CB8AC3E}">
+        <p14:creationId xmlns:p14="http://schemas.microsoft.com/office/powerpoint/2010/main" val="1971908804"/>
+      </p:ext>
+    </p:extLst>
+  </p:cSld>
+  <p:clrMapOvr>
+    <a:masterClrMapping/>
+  </p:clrMapOvr>
+</p:sld>
+</file>
+
+<file path=ppt/slides/slide11.xml><?xml version="1.0" encoding="utf-8"?>
+<p:sld xmlns:a="http://schemas.openxmlformats.org/drawingml/2006/main" xmlns:r="http://schemas.openxmlformats.org/officeDocument/2006/relationships" xmlns:p="http://schemas.openxmlformats.org/presentationml/2006/main">
+  <p:cSld>
+    <p:spTree>
+      <p:nvGrpSpPr>
+        <p:cNvPr id="1" name=""/>
+        <p:cNvGrpSpPr/>
+        <p:nvPr/>
+      </p:nvGrpSpPr>
+      <p:grpSpPr>
+        <a:xfrm>
+          <a:off x="0" y="0"/>
+          <a:ext cx="0" cy="0"/>
+          <a:chOff x="0" y="0"/>
+          <a:chExt cx="0" cy="0"/>
+        </a:xfrm>
+      </p:grpSpPr>
+      <p:sp>
+        <p:nvSpPr>
+          <p:cNvPr id="2" name="Заголовок 1">
+            <a:extLst>
+              <a:ext uri="{FF2B5EF4-FFF2-40B4-BE49-F238E27FC236}">
+                <a16:creationId xmlns:a16="http://schemas.microsoft.com/office/drawing/2014/main" id="{033AC529-5134-472D-A7C1-8AA1377855AB}"/>
+              </a:ext>
+            </a:extLst>
+          </p:cNvPr>
+          <p:cNvSpPr>
+            <a:spLocks noGrp="1"/>
+          </p:cNvSpPr>
+          <p:nvPr>
+            <p:ph type="title"/>
+          </p:nvPr>
+        </p:nvSpPr>
+        <p:spPr/>
+        <p:txBody>
+          <a:bodyPr/>
+          <a:lstStyle/>
+          <a:p>
+            <a:r>
+              <a:rPr lang="ru-RU" dirty="0"/>
+              <a:t>Интерфейс программного продукта</a:t>
+            </a:r>
+          </a:p>
+        </p:txBody>
+      </p:sp>
+      <p:sp>
+        <p:nvSpPr>
+          <p:cNvPr id="3" name="Объект 2">
+            <a:extLst>
+              <a:ext uri="{FF2B5EF4-FFF2-40B4-BE49-F238E27FC236}">
+                <a16:creationId xmlns:a16="http://schemas.microsoft.com/office/drawing/2014/main" id="{99C7CF9E-E31F-4FF3-8B50-64AF47FF1C38}"/>
+              </a:ext>
+            </a:extLst>
+          </p:cNvPr>
+          <p:cNvSpPr>
+            <a:spLocks noGrp="1"/>
+          </p:cNvSpPr>
+          <p:nvPr>
+            <p:ph idx="1"/>
+          </p:nvPr>
+        </p:nvSpPr>
+        <p:spPr>
+          <a:xfrm>
+            <a:off x="8123275" y="1732449"/>
+            <a:ext cx="3144282" cy="4058751"/>
+          </a:xfrm>
+        </p:spPr>
+        <p:txBody>
+          <a:bodyPr/>
+          <a:lstStyle/>
+          <a:p>
+            <a:r>
+              <a:rPr lang="ru-RU" dirty="0"/>
+              <a:t>На вкладке помощь присутствует возможность обратной связи с разработчиками</a:t>
+            </a:r>
+          </a:p>
+        </p:txBody>
+      </p:sp>
+      <p:pic>
+        <p:nvPicPr>
+          <p:cNvPr id="4" name="Рисунок 3">
+            <a:extLst>
+              <a:ext uri="{FF2B5EF4-FFF2-40B4-BE49-F238E27FC236}">
+                <a16:creationId xmlns:a16="http://schemas.microsoft.com/office/drawing/2014/main" id="{7C682C39-3070-4427-BBCD-E9A7FA5DF645}"/>
+              </a:ext>
+            </a:extLst>
+          </p:cNvPr>
+          <p:cNvPicPr>
+            <a:picLocks noChangeAspect="1"/>
+          </p:cNvPicPr>
+          <p:nvPr/>
+        </p:nvPicPr>
+        <p:blipFill>
+          <a:blip r:embed="rId2"/>
+          <a:stretch>
+            <a:fillRect/>
+          </a:stretch>
+        </p:blipFill>
+        <p:spPr>
+          <a:xfrm>
+            <a:off x="1061817" y="1732448"/>
+            <a:ext cx="6890438" cy="4058751"/>
+          </a:xfrm>
+          <a:prstGeom prst="rect">
+            <a:avLst/>
+          </a:prstGeom>
+        </p:spPr>
+      </p:pic>
+    </p:spTree>
+    <p:extLst>
+      <p:ext uri="{BB962C8B-B14F-4D97-AF65-F5344CB8AC3E}">
+        <p14:creationId xmlns:p14="http://schemas.microsoft.com/office/powerpoint/2010/main" val="4188320037"/>
+      </p:ext>
+    </p:extLst>
+  </p:cSld>
+  <p:clrMapOvr>
+    <a:masterClrMapping/>
+  </p:clrMapOvr>
+</p:sld>
+</file>
+
+<file path=ppt/slides/slide12.xml><?xml version="1.0" encoding="utf-8"?>
+<p:sld xmlns:a="http://schemas.openxmlformats.org/drawingml/2006/main" xmlns:r="http://schemas.openxmlformats.org/officeDocument/2006/relationships" xmlns:p="http://schemas.openxmlformats.org/presentationml/2006/main">
+  <p:cSld>
+    <p:spTree>
+      <p:nvGrpSpPr>
+        <p:cNvPr id="1" name=""/>
+        <p:cNvGrpSpPr/>
+        <p:nvPr/>
+      </p:nvGrpSpPr>
+      <p:grpSpPr>
+        <a:xfrm>
+          <a:off x="0" y="0"/>
+          <a:ext cx="0" cy="0"/>
+          <a:chOff x="0" y="0"/>
+          <a:chExt cx="0" cy="0"/>
+        </a:xfrm>
+      </p:grpSpPr>
+      <p:sp>
+        <p:nvSpPr>
+          <p:cNvPr id="2" name="Заголовок 1">
+            <a:extLst>
+              <a:ext uri="{FF2B5EF4-FFF2-40B4-BE49-F238E27FC236}">
+                <a16:creationId xmlns:a16="http://schemas.microsoft.com/office/drawing/2014/main" id="{311FAAE0-6966-4CCA-BB57-35187CB6EE9D}"/>
+              </a:ext>
+            </a:extLst>
+          </p:cNvPr>
+          <p:cNvSpPr>
+            <a:spLocks noGrp="1"/>
+          </p:cNvSpPr>
+          <p:nvPr>
+            <p:ph type="title"/>
+          </p:nvPr>
+        </p:nvSpPr>
+        <p:spPr/>
+        <p:txBody>
+          <a:bodyPr/>
+          <a:lstStyle/>
+          <a:p>
+            <a:r>
+              <a:rPr lang="ru-RU" dirty="0"/>
+              <a:t>Заключение</a:t>
+            </a:r>
+          </a:p>
+        </p:txBody>
+      </p:sp>
+      <p:sp>
+        <p:nvSpPr>
+          <p:cNvPr id="3" name="Объект 2">
+            <a:extLst>
+              <a:ext uri="{FF2B5EF4-FFF2-40B4-BE49-F238E27FC236}">
+                <a16:creationId xmlns:a16="http://schemas.microsoft.com/office/drawing/2014/main" id="{DEB7987B-BA42-4F82-8B70-DC84E84FF76F}"/>
+              </a:ext>
+            </a:extLst>
+          </p:cNvPr>
+          <p:cNvSpPr>
+            <a:spLocks noGrp="1"/>
+          </p:cNvSpPr>
+          <p:nvPr>
+            <p:ph idx="1"/>
+          </p:nvPr>
+        </p:nvSpPr>
+        <p:spPr/>
+        <p:txBody>
+          <a:bodyPr/>
+          <a:lstStyle/>
+          <a:p>
+            <a:pPr marL="36900" indent="0">
+              <a:buNone/>
+            </a:pPr>
+            <a:r>
+              <a:rPr lang="ru-RU" dirty="0"/>
+              <a:t>	В результате выполнения курсового проекта были достигнуты все поставленные задачи,  а именно:</a:t>
+            </a:r>
+          </a:p>
+          <a:p>
+            <a:r>
+              <a:rPr lang="ru-RU" dirty="0"/>
+              <a:t>Реализованы функциональные требования</a:t>
+            </a:r>
+          </a:p>
+          <a:p>
+            <a:r>
+              <a:rPr lang="ru-RU" dirty="0"/>
+              <a:t>Составлен словарь базы данных </a:t>
+            </a:r>
+            <a:r>
+              <a:rPr lang="en-US" dirty="0"/>
+              <a:t>ER-</a:t>
+            </a:r>
+            <a:r>
+              <a:rPr lang="ru-RU" dirty="0"/>
+              <a:t>модель </a:t>
+            </a:r>
+          </a:p>
+          <a:p>
+            <a:r>
+              <a:rPr lang="ru-RU" dirty="0"/>
+              <a:t>Реализована информационная система в выбранной среде программирования</a:t>
+            </a:r>
+          </a:p>
+          <a:p>
+            <a:r>
+              <a:rPr lang="ru-RU" dirty="0"/>
+              <a:t>Выполнен процесс отладки и тестирования программного продукта</a:t>
+            </a:r>
+          </a:p>
+          <a:p>
+            <a:endParaRPr lang="ru-RU" dirty="0"/>
+          </a:p>
+        </p:txBody>
+      </p:sp>
+    </p:spTree>
+    <p:extLst>
+      <p:ext uri="{BB962C8B-B14F-4D97-AF65-F5344CB8AC3E}">
+        <p14:creationId xmlns:p14="http://schemas.microsoft.com/office/powerpoint/2010/main" val="4133618728"/>
+      </p:ext>
+    </p:extLst>
+  </p:cSld>
+  <p:clrMapOvr>
+    <a:masterClrMapping/>
+  </p:clrMapOvr>
+</p:sld>
+</file>
+
 <file path=ppt/slides/slide2.xml><?xml version="1.0" encoding="utf-8"?>
 <p:sld xmlns:a="http://schemas.openxmlformats.org/drawingml/2006/main" xmlns:r="http://schemas.openxmlformats.org/officeDocument/2006/relationships" xmlns:p="http://schemas.openxmlformats.org/presentationml/2006/main">
   <p:cSld>
@@ -6611,8 +6986,12 @@
               <a:buNone/>
             </a:pPr>
             <a:r>
+              <a:rPr lang="ru-RU" sz="2400" dirty="0"/>
+              <a:t>	Целью данного проекта является создание информационной системы, которая позволит автоматизировать деятельность сотрудника риэлторского агентства</a:t>
+            </a:r>
+            <a:r>
               <a:rPr lang="ru-RU" dirty="0"/>
-              <a:t>	Целью данного проекта является создание информационной системы, которая позволит автоматизировать деятельность сотрудника риэлторского агентства.</a:t>
+              <a:t>.</a:t>
             </a:r>
           </a:p>
         </p:txBody>
@@ -6787,7 +7166,7 @@
           <p:cNvPr id="2" name="Заголовок 1">
             <a:extLst>
               <a:ext uri="{FF2B5EF4-FFF2-40B4-BE49-F238E27FC236}">
-                <a16:creationId xmlns:a16="http://schemas.microsoft.com/office/drawing/2014/main" id="{0A304436-7900-4081-9CAD-1E0A39AA9131}"/>
+                <a16:creationId xmlns:a16="http://schemas.microsoft.com/office/drawing/2014/main" id="{B1E749FD-3BC9-438D-B357-CEC6F0A95885}"/>
               </a:ext>
             </a:extLst>
           </p:cNvPr>
@@ -6805,7 +7184,7 @@
           <a:p>
             <a:r>
               <a:rPr lang="ru-RU" dirty="0"/>
-              <a:t>Жизненный цикл</a:t>
+              <a:t>Актуальность и практическая значимость</a:t>
             </a:r>
           </a:p>
         </p:txBody>
@@ -6815,7 +7194,7 @@
           <p:cNvPr id="3" name="Объект 2">
             <a:extLst>
               <a:ext uri="{FF2B5EF4-FFF2-40B4-BE49-F238E27FC236}">
-                <a16:creationId xmlns:a16="http://schemas.microsoft.com/office/drawing/2014/main" id="{5BA5A1EB-CEFF-4D97-BC10-C07EE6F55BF9}"/>
+                <a16:creationId xmlns:a16="http://schemas.microsoft.com/office/drawing/2014/main" id="{7E8FCFA8-E532-42D5-AD96-1C6C4A6D40B0}"/>
               </a:ext>
             </a:extLst>
           </p:cNvPr>
@@ -6838,52 +7217,16 @@
             </a:pPr>
             <a:r>
               <a:rPr lang="ru-RU" dirty="0"/>
-              <a:t>	Жизненный цикл данной информационной системы содержит:</a:t>
-            </a:r>
-          </a:p>
-          <a:p>
-            <a:pPr marL="494100" indent="-457200" algn="just">
-              <a:buAutoNum type="arabicPeriod"/>
+              <a:t>	В настоящее время происходит активная застройка свободных площадей новыми зданиями. Это приводит к притоку клиентов на покупку или аренду жилья. </a:t>
+            </a:r>
+          </a:p>
+          <a:p>
+            <a:pPr marL="36900" indent="0" algn="just">
+              <a:buNone/>
             </a:pPr>
             <a:r>
               <a:rPr lang="ru-RU" dirty="0"/>
-              <a:t>Анализ требований к системе</a:t>
-            </a:r>
-          </a:p>
-          <a:p>
-            <a:pPr marL="494100" indent="-457200" algn="just">
-              <a:buAutoNum type="arabicPeriod"/>
-            </a:pPr>
-            <a:r>
-              <a:rPr lang="ru-RU" dirty="0"/>
-              <a:t>Проектирование</a:t>
-            </a:r>
-          </a:p>
-          <a:p>
-            <a:pPr marL="494100" indent="-457200" algn="just">
-              <a:buAutoNum type="arabicPeriod"/>
-            </a:pPr>
-            <a:r>
-              <a:rPr lang="ru-RU" dirty="0"/>
-              <a:t>Программирование</a:t>
-            </a:r>
-          </a:p>
-          <a:p>
-            <a:pPr marL="494100" indent="-457200" algn="just">
-              <a:buAutoNum type="arabicPeriod"/>
-            </a:pPr>
-            <a:r>
-              <a:rPr lang="ru-RU" dirty="0"/>
-              <a:t>Тестирование и отладка</a:t>
-            </a:r>
-          </a:p>
-          <a:p>
-            <a:pPr marL="494100" indent="-457200" algn="just">
-              <a:buAutoNum type="arabicPeriod"/>
-            </a:pPr>
-            <a:r>
-              <a:rPr lang="ru-RU" dirty="0"/>
-              <a:t>Сопровождение</a:t>
+              <a:t>	Для достижения более высокой производительности труда сотрудника риэлторского агентства была создана эта информационная система.</a:t>
             </a:r>
           </a:p>
         </p:txBody>
@@ -6891,7 +7234,7 @@
     </p:spTree>
     <p:extLst>
       <p:ext uri="{BB962C8B-B14F-4D97-AF65-F5344CB8AC3E}">
-        <p14:creationId xmlns:p14="http://schemas.microsoft.com/office/powerpoint/2010/main" val="4252337755"/>
+        <p14:creationId xmlns:p14="http://schemas.microsoft.com/office/powerpoint/2010/main" val="4107802695"/>
       </p:ext>
     </p:extLst>
   </p:cSld>
@@ -6923,7 +7266,7 @@
           <p:cNvPr id="2" name="Заголовок 1">
             <a:extLst>
               <a:ext uri="{FF2B5EF4-FFF2-40B4-BE49-F238E27FC236}">
-                <a16:creationId xmlns:a16="http://schemas.microsoft.com/office/drawing/2014/main" id="{B1E749FD-3BC9-438D-B357-CEC6F0A95885}"/>
+                <a16:creationId xmlns:a16="http://schemas.microsoft.com/office/drawing/2014/main" id="{0A304436-7900-4081-9CAD-1E0A39AA9131}"/>
               </a:ext>
             </a:extLst>
           </p:cNvPr>
@@ -6941,7 +7284,7 @@
           <a:p>
             <a:r>
               <a:rPr lang="ru-RU" dirty="0"/>
-              <a:t>Актуальность и практическая значимость</a:t>
+              <a:t>Жизненный цикл</a:t>
             </a:r>
           </a:p>
         </p:txBody>
@@ -6951,7 +7294,7 @@
           <p:cNvPr id="3" name="Объект 2">
             <a:extLst>
               <a:ext uri="{FF2B5EF4-FFF2-40B4-BE49-F238E27FC236}">
-                <a16:creationId xmlns:a16="http://schemas.microsoft.com/office/drawing/2014/main" id="{7E8FCFA8-E532-42D5-AD96-1C6C4A6D40B0}"/>
+                <a16:creationId xmlns:a16="http://schemas.microsoft.com/office/drawing/2014/main" id="{5BA5A1EB-CEFF-4D97-BC10-C07EE6F55BF9}"/>
               </a:ext>
             </a:extLst>
           </p:cNvPr>
@@ -6974,16 +7317,52 @@
             </a:pPr>
             <a:r>
               <a:rPr lang="ru-RU" dirty="0"/>
-              <a:t>	В настоящее время происходит активная застройка свободных площадей новыми зданиями. Это приводит к притоку клиентов на покупку или аренду жилья. </a:t>
-            </a:r>
-          </a:p>
-          <a:p>
-            <a:pPr marL="36900" indent="0" algn="just">
-              <a:buNone/>
+              <a:t>	Жизненный цикл данной информационной системы содержит:</a:t>
+            </a:r>
+          </a:p>
+          <a:p>
+            <a:pPr marL="494100" indent="-457200" algn="just">
+              <a:buAutoNum type="arabicPeriod"/>
             </a:pPr>
             <a:r>
               <a:rPr lang="ru-RU" dirty="0"/>
-              <a:t>	Для достижения более высокой производительности труда сотрудника риэлторского агентства была создана эта информационная система.</a:t>
+              <a:t>Анализ требований к системе</a:t>
+            </a:r>
+          </a:p>
+          <a:p>
+            <a:pPr marL="494100" indent="-457200" algn="just">
+              <a:buAutoNum type="arabicPeriod"/>
+            </a:pPr>
+            <a:r>
+              <a:rPr lang="ru-RU" dirty="0"/>
+              <a:t>Проектирование</a:t>
+            </a:r>
+          </a:p>
+          <a:p>
+            <a:pPr marL="494100" indent="-457200" algn="just">
+              <a:buAutoNum type="arabicPeriod"/>
+            </a:pPr>
+            <a:r>
+              <a:rPr lang="ru-RU" dirty="0"/>
+              <a:t>Программирование</a:t>
+            </a:r>
+          </a:p>
+          <a:p>
+            <a:pPr marL="494100" indent="-457200" algn="just">
+              <a:buAutoNum type="arabicPeriod"/>
+            </a:pPr>
+            <a:r>
+              <a:rPr lang="ru-RU" dirty="0"/>
+              <a:t>Тестирование и отладка</a:t>
+            </a:r>
+          </a:p>
+          <a:p>
+            <a:pPr marL="494100" indent="-457200" algn="just">
+              <a:buAutoNum type="arabicPeriod"/>
+            </a:pPr>
+            <a:r>
+              <a:rPr lang="ru-RU" dirty="0"/>
+              <a:t>Сопровождение</a:t>
             </a:r>
           </a:p>
         </p:txBody>
@@ -6991,7 +7370,7 @@
     </p:spTree>
     <p:extLst>
       <p:ext uri="{BB962C8B-B14F-4D97-AF65-F5344CB8AC3E}">
-        <p14:creationId xmlns:p14="http://schemas.microsoft.com/office/powerpoint/2010/main" val="4107802695"/>
+        <p14:creationId xmlns:p14="http://schemas.microsoft.com/office/powerpoint/2010/main" val="4252337755"/>
       </p:ext>
     </p:extLst>
   </p:cSld>
@@ -7360,7 +7739,19 @@
           <a:p>
             <a:r>
               <a:rPr lang="ru-RU" dirty="0"/>
-              <a:t>В программе присутствуют модули: объявления, добавление объявлений, менеджеры и помощь. Каждое из них отвечает за свои функции</a:t>
+              <a:t>В программе присутствуют модули: объявления, добавление объявлений, менеджеры и помощь. Каждый из них отвечает за свои функции</a:t>
+            </a:r>
+          </a:p>
+          <a:p>
+            <a:r>
+              <a:rPr lang="ru-RU" dirty="0"/>
+              <a:t>При входе открывается элемент «Объявления»</a:t>
+            </a:r>
+          </a:p>
+          <a:p>
+            <a:r>
+              <a:rPr lang="ru-RU" dirty="0"/>
+              <a:t>Программа обладает боковым меню</a:t>
             </a:r>
           </a:p>
         </p:txBody>
@@ -7463,7 +7854,7 @@
           <p:cNvPr id="2" name="Заголовок 1">
             <a:extLst>
               <a:ext uri="{FF2B5EF4-FFF2-40B4-BE49-F238E27FC236}">
-                <a16:creationId xmlns:a16="http://schemas.microsoft.com/office/drawing/2014/main" id="{311FAAE0-6966-4CCA-BB57-35187CB6EE9D}"/>
+                <a16:creationId xmlns:a16="http://schemas.microsoft.com/office/drawing/2014/main" id="{09AE2D2A-BFEB-47A8-81F6-A131A0682D9A}"/>
               </a:ext>
             </a:extLst>
           </p:cNvPr>
@@ -7481,7 +7872,7 @@
           <a:p>
             <a:r>
               <a:rPr lang="ru-RU" dirty="0"/>
-              <a:t>Заключение</a:t>
+              <a:t>Интерфейс программного продукта</a:t>
             </a:r>
           </a:p>
         </p:txBody>
@@ -7491,7 +7882,7 @@
           <p:cNvPr id="3" name="Объект 2">
             <a:extLst>
               <a:ext uri="{FF2B5EF4-FFF2-40B4-BE49-F238E27FC236}">
-                <a16:creationId xmlns:a16="http://schemas.microsoft.com/office/drawing/2014/main" id="{DEB7987B-BA42-4F82-8B70-DC84E84FF76F}"/>
+                <a16:creationId xmlns:a16="http://schemas.microsoft.com/office/drawing/2014/main" id="{5BE60BE0-14CD-463A-80A1-DC55C762570D}"/>
               </a:ext>
             </a:extLst>
           </p:cNvPr>
@@ -7502,60 +7893,63 @@
             <p:ph idx="1"/>
           </p:nvPr>
         </p:nvSpPr>
-        <p:spPr/>
+        <p:spPr>
+          <a:xfrm>
+            <a:off x="7899991" y="1732449"/>
+            <a:ext cx="3367566" cy="4058751"/>
+          </a:xfrm>
+        </p:spPr>
         <p:txBody>
           <a:bodyPr/>
           <a:lstStyle/>
           <a:p>
-            <a:pPr marL="36900" indent="0">
-              <a:buNone/>
-            </a:pPr>
             <a:r>
               <a:rPr lang="ru-RU" dirty="0"/>
-              <a:t>	В результате выполнения курсового проекта были достигнуты все поставленные задачи,  а именно:</a:t>
+              <a:t>Элемент «Добавление»</a:t>
             </a:r>
           </a:p>
           <a:p>
             <a:r>
               <a:rPr lang="ru-RU" dirty="0"/>
-              <a:t>Реализованы функциональные требования</a:t>
-            </a:r>
-          </a:p>
-          <a:p>
-            <a:r>
-              <a:rPr lang="ru-RU" dirty="0"/>
-              <a:t>Составлен словарь базы данных </a:t>
-            </a:r>
-            <a:r>
-              <a:rPr lang="en-US" dirty="0"/>
-              <a:t>ER-</a:t>
-            </a:r>
-            <a:r>
-              <a:rPr lang="ru-RU" dirty="0"/>
-              <a:t>модель </a:t>
-            </a:r>
-          </a:p>
-          <a:p>
-            <a:r>
-              <a:rPr lang="ru-RU" dirty="0"/>
-              <a:t>Реализована информационная система в выбранной среде программирования</a:t>
-            </a:r>
-          </a:p>
-          <a:p>
-            <a:r>
-              <a:rPr lang="ru-RU" dirty="0"/>
-              <a:t>Выполнен процесс отладки и тестирования программного продукта</a:t>
-            </a:r>
-          </a:p>
-          <a:p>
-            <a:endParaRPr lang="ru-RU" dirty="0"/>
-          </a:p>
-        </p:txBody>
-      </p:sp>
+              <a:t>На нем происходит добавление объявлений</a:t>
+            </a:r>
+          </a:p>
+        </p:txBody>
+      </p:sp>
+      <p:pic>
+        <p:nvPicPr>
+          <p:cNvPr id="4" name="Рисунок 3">
+            <a:extLst>
+              <a:ext uri="{FF2B5EF4-FFF2-40B4-BE49-F238E27FC236}">
+                <a16:creationId xmlns:a16="http://schemas.microsoft.com/office/drawing/2014/main" id="{788ECD03-F6F4-49FB-B27B-7E4561137A48}"/>
+              </a:ext>
+            </a:extLst>
+          </p:cNvPr>
+          <p:cNvPicPr>
+            <a:picLocks noChangeAspect="1"/>
+          </p:cNvPicPr>
+          <p:nvPr/>
+        </p:nvPicPr>
+        <p:blipFill>
+          <a:blip r:embed="rId2"/>
+          <a:stretch>
+            <a:fillRect/>
+          </a:stretch>
+        </p:blipFill>
+        <p:spPr>
+          <a:xfrm>
+            <a:off x="1093713" y="1732449"/>
+            <a:ext cx="6646789" cy="3915232"/>
+          </a:xfrm>
+          <a:prstGeom prst="rect">
+            <a:avLst/>
+          </a:prstGeom>
+        </p:spPr>
+      </p:pic>
     </p:spTree>
     <p:extLst>
       <p:ext uri="{BB962C8B-B14F-4D97-AF65-F5344CB8AC3E}">
-        <p14:creationId xmlns:p14="http://schemas.microsoft.com/office/powerpoint/2010/main" val="4133618728"/>
+        <p14:creationId xmlns:p14="http://schemas.microsoft.com/office/powerpoint/2010/main" val="1676983928"/>
       </p:ext>
     </p:extLst>
   </p:cSld>
